--- a/docs/OSM Ufa Presentation.pptx
+++ b/docs/OSM Ufa Presentation.pptx
@@ -5,7 +5,7 @@
     <p:sldMasterId id="2147483684" r:id="rId1"/>
   </p:sldMasterIdLst>
   <p:notesMasterIdLst>
-    <p:notesMasterId r:id="rId27"/>
+    <p:notesMasterId r:id="rId28"/>
   </p:notesMasterIdLst>
   <p:sldIdLst>
     <p:sldId id="256" r:id="rId2"/>
@@ -24,15 +24,16 @@
     <p:sldId id="270" r:id="rId15"/>
     <p:sldId id="271" r:id="rId16"/>
     <p:sldId id="272" r:id="rId17"/>
-    <p:sldId id="282" r:id="rId18"/>
-    <p:sldId id="281" r:id="rId19"/>
-    <p:sldId id="273" r:id="rId20"/>
-    <p:sldId id="274" r:id="rId21"/>
-    <p:sldId id="277" r:id="rId22"/>
-    <p:sldId id="278" r:id="rId23"/>
-    <p:sldId id="276" r:id="rId24"/>
-    <p:sldId id="279" r:id="rId25"/>
-    <p:sldId id="280" r:id="rId26"/>
+    <p:sldId id="283" r:id="rId18"/>
+    <p:sldId id="282" r:id="rId19"/>
+    <p:sldId id="281" r:id="rId20"/>
+    <p:sldId id="273" r:id="rId21"/>
+    <p:sldId id="274" r:id="rId22"/>
+    <p:sldId id="277" r:id="rId23"/>
+    <p:sldId id="278" r:id="rId24"/>
+    <p:sldId id="276" r:id="rId25"/>
+    <p:sldId id="279" r:id="rId26"/>
+    <p:sldId id="280" r:id="rId27"/>
   </p:sldIdLst>
   <p:sldSz cx="12192000" cy="6858000"/>
   <p:notesSz cx="6858000" cy="9144000"/>
@@ -131,6 +132,11 @@
       </a:defRPr>
     </a:lvl9pPr>
   </p:defaultTextStyle>
+  <p:extLst>
+    <p:ext uri="{EFAFB233-063F-42B5-8137-9DF3F51BA10A}">
+      <p15:sldGuideLst xmlns:p15="http://schemas.microsoft.com/office/powerpoint/2012/main"/>
+    </p:ext>
+  </p:extLst>
 </p:presentation>
 </file>
 
@@ -4279,7 +4285,7 @@
               <a:rPr lang="ru-RU" sz="4000" dirty="0">
                 <a:latin typeface="Bookman Old Style" panose="02050604050505020204" pitchFamily="18" charset="0"/>
               </a:rPr>
-              <a:t>Дерево кратчайших путей для произвольной вершины</a:t>
+              <a:t>Дерево кратчайших путей из произвольной вершины</a:t>
             </a:r>
           </a:p>
         </p:txBody>
@@ -4624,7 +4630,7 @@
         <p:spPr>
           <a:xfrm>
             <a:off x="1024128" y="620726"/>
-            <a:ext cx="6149029" cy="1499616"/>
+            <a:ext cx="6273317" cy="1499616"/>
           </a:xfrm>
         </p:spPr>
         <p:txBody>
@@ -4637,7 +4643,7 @@
               <a:rPr lang="ru-RU" sz="4000" dirty="0">
                 <a:latin typeface="Bookman Old Style" panose="02050604050505020204" pitchFamily="18" charset="0"/>
               </a:rPr>
-              <a:t>визуализация кратчайшего пути для всех вершин</a:t>
+              <a:t>Визуализация дерева кратчайшего пути на графе</a:t>
             </a:r>
             <a:endParaRPr lang="ru-RU" sz="4000" dirty="0"/>
           </a:p>
@@ -4913,12 +4919,12 @@
         <p:spPr>
           <a:xfrm>
             <a:off x="1024128" y="2285999"/>
-            <a:ext cx="4754880" cy="3715305"/>
+            <a:ext cx="4860036" cy="4129549"/>
           </a:xfrm>
         </p:spPr>
         <p:txBody>
           <a:bodyPr>
-            <a:normAutofit/>
+            <a:noAutofit/>
           </a:bodyPr>
           <a:lstStyle/>
           <a:p>
@@ -4938,16 +4944,23 @@
             </a:r>
           </a:p>
           <a:p>
-            <a:endParaRPr lang="ru-RU" sz="1800" dirty="0">
-              <a:latin typeface="Bookman Old Style" panose="02050604050505020204" pitchFamily="18" charset="0"/>
-            </a:endParaRPr>
-          </a:p>
-          <a:p>
+            <a:r>
+              <a:rPr lang="en-US" sz="1800" dirty="0" err="1">
+                <a:latin typeface="Bookman Old Style" panose="02050604050505020204" pitchFamily="18" charset="0"/>
+              </a:rPr>
+              <a:t>nearest_hosp_list</a:t>
+            </a:r>
+            <a:r>
+              <a:rPr lang="en-US" sz="1800" dirty="0">
+                <a:latin typeface="Bookman Old Style" panose="02050604050505020204" pitchFamily="18" charset="0"/>
+              </a:rPr>
+              <a:t> </a:t>
+            </a:r>
             <a:r>
               <a:rPr lang="ru-RU" sz="1800" dirty="0">
                 <a:latin typeface="Bookman Old Style" panose="02050604050505020204" pitchFamily="18" charset="0"/>
               </a:rPr>
-              <a:t>Левый столбец – «туда»</a:t>
+              <a:t>представляет собой лист из листов, каждый из которых соответствует одному из выбранных ста домов и хранить в себе все необходимые вычисленные значения.</a:t>
             </a:r>
           </a:p>
           <a:p>
@@ -4955,44 +4968,41 @@
               <a:rPr lang="ru-RU" sz="1800" dirty="0">
                 <a:latin typeface="Bookman Old Style" panose="02050604050505020204" pitchFamily="18" charset="0"/>
               </a:rPr>
-              <a:t>Столбец по середине – «обратно»</a:t>
-            </a:r>
-          </a:p>
-          <a:p>
-            <a:r>
-              <a:rPr lang="ru-RU" sz="1800" dirty="0">
-                <a:latin typeface="Bookman Old Style" panose="02050604050505020204" pitchFamily="18" charset="0"/>
-              </a:rPr>
-              <a:t>Правый столбец – «туда и обратно»</a:t>
-            </a:r>
-          </a:p>
-        </p:txBody>
-      </p:sp>
-      <p:sp>
-        <p:nvSpPr>
-          <p:cNvPr id="8" name="Объект 7">
+              <a:t>Левый столбец – «туда», столбец по середине – «обратно», правый столбец – «туда и обратно».</a:t>
+            </a:r>
+          </a:p>
+        </p:txBody>
+      </p:sp>
+      <p:pic>
+        <p:nvPicPr>
+          <p:cNvPr id="4" name="Рисунок 3">
             <a:extLst>
               <a:ext uri="{FF2B5EF4-FFF2-40B4-BE49-F238E27FC236}">
-                <a16:creationId xmlns:a16="http://schemas.microsoft.com/office/drawing/2014/main" id="{EAFB7BE6-08D0-47C4-9D32-0A39158CC47D}"/>
+                <a16:creationId xmlns:a16="http://schemas.microsoft.com/office/drawing/2014/main" id="{E29FCCA5-DAD9-44D8-8226-BD8F8A0FC357}"/>
               </a:ext>
             </a:extLst>
           </p:cNvPr>
-          <p:cNvSpPr>
-            <a:spLocks noGrp="1"/>
-          </p:cNvSpPr>
-          <p:nvPr>
-            <p:ph sz="half" idx="2"/>
-          </p:nvPr>
-        </p:nvSpPr>
-        <p:spPr/>
-        <p:txBody>
-          <a:bodyPr/>
-          <a:lstStyle/>
-          <a:p>
-            <a:endParaRPr lang="ru-RU"/>
-          </a:p>
-        </p:txBody>
-      </p:sp>
+          <p:cNvPicPr>
+            <a:picLocks noChangeAspect="1"/>
+          </p:cNvPicPr>
+          <p:nvPr/>
+        </p:nvPicPr>
+        <p:blipFill>
+          <a:blip r:embed="rId3"/>
+          <a:stretch>
+            <a:fillRect/>
+          </a:stretch>
+        </p:blipFill>
+        <p:spPr>
+          <a:xfrm>
+            <a:off x="5884164" y="2729035"/>
+            <a:ext cx="5887272" cy="2638793"/>
+          </a:xfrm>
+          <a:prstGeom prst="rect">
+            <a:avLst/>
+          </a:prstGeom>
+        </p:spPr>
+      </p:pic>
     </p:spTree>
     <p:extLst>
       <p:ext uri="{BB962C8B-B14F-4D97-AF65-F5344CB8AC3E}">
@@ -5072,7 +5082,12 @@
             <p:ph sz="half" idx="1"/>
           </p:nvPr>
         </p:nvSpPr>
-        <p:spPr/>
+        <p:spPr>
+          <a:xfrm>
+            <a:off x="1024128" y="2286000"/>
+            <a:ext cx="4270543" cy="4023360"/>
+          </a:xfrm>
+        </p:spPr>
         <p:txBody>
           <a:bodyPr>
             <a:normAutofit/>
@@ -5098,10 +5113,10 @@
       </p:sp>
       <p:pic>
         <p:nvPicPr>
-          <p:cNvPr id="5" name="Рисунок 4">
+          <p:cNvPr id="4" name="Рисунок 3">
             <a:extLst>
               <a:ext uri="{FF2B5EF4-FFF2-40B4-BE49-F238E27FC236}">
-                <a16:creationId xmlns:a16="http://schemas.microsoft.com/office/drawing/2014/main" id="{2DBAF61A-C152-4225-B0E5-A8612DCC568D}"/>
+                <a16:creationId xmlns:a16="http://schemas.microsoft.com/office/drawing/2014/main" id="{C80FE3C0-81C3-4F51-8B79-B6733CFD7937}"/>
               </a:ext>
             </a:extLst>
           </p:cNvPr>
@@ -5118,8 +5133,8 @@
         </p:blipFill>
         <p:spPr>
           <a:xfrm>
-            <a:off x="5884164" y="2084832"/>
-            <a:ext cx="5868219" cy="2067213"/>
+            <a:off x="5480361" y="1637094"/>
+            <a:ext cx="6496957" cy="2753109"/>
           </a:xfrm>
           <a:prstGeom prst="rect">
             <a:avLst/>
@@ -5128,10 +5143,10 @@
       </p:pic>
       <p:pic>
         <p:nvPicPr>
-          <p:cNvPr id="6" name="Рисунок 5">
+          <p:cNvPr id="7" name="Рисунок 6">
             <a:extLst>
               <a:ext uri="{FF2B5EF4-FFF2-40B4-BE49-F238E27FC236}">
-                <a16:creationId xmlns:a16="http://schemas.microsoft.com/office/drawing/2014/main" id="{FB9C7CD7-A8C5-483E-BD45-60CAF4EB7418}"/>
+                <a16:creationId xmlns:a16="http://schemas.microsoft.com/office/drawing/2014/main" id="{370AE2AD-3705-4D45-8FF9-DC531BB49B01}"/>
               </a:ext>
             </a:extLst>
           </p:cNvPr>
@@ -5148,8 +5163,38 @@
         </p:blipFill>
         <p:spPr>
           <a:xfrm>
-            <a:off x="5891311" y="4297680"/>
-            <a:ext cx="2343477" cy="409632"/>
+            <a:off x="5480361" y="4773169"/>
+            <a:ext cx="5715798" cy="447737"/>
+          </a:xfrm>
+          <a:prstGeom prst="rect">
+            <a:avLst/>
+          </a:prstGeom>
+        </p:spPr>
+      </p:pic>
+      <p:pic>
+        <p:nvPicPr>
+          <p:cNvPr id="8" name="Рисунок 7">
+            <a:extLst>
+              <a:ext uri="{FF2B5EF4-FFF2-40B4-BE49-F238E27FC236}">
+                <a16:creationId xmlns:a16="http://schemas.microsoft.com/office/drawing/2014/main" id="{15092127-A788-4139-80FA-94B752B2F6BF}"/>
+              </a:ext>
+            </a:extLst>
+          </p:cNvPr>
+          <p:cNvPicPr>
+            <a:picLocks noChangeAspect="1"/>
+          </p:cNvPicPr>
+          <p:nvPr/>
+        </p:nvPicPr>
+        <p:blipFill>
+          <a:blip r:embed="rId4"/>
+          <a:stretch>
+            <a:fillRect/>
+          </a:stretch>
+        </p:blipFill>
+        <p:spPr>
+          <a:xfrm>
+            <a:off x="1268422" y="4586209"/>
+            <a:ext cx="3781953" cy="1924319"/>
           </a:xfrm>
           <a:prstGeom prst="rect">
             <a:avLst/>
@@ -5265,10 +5310,10 @@
       </p:sp>
       <p:pic>
         <p:nvPicPr>
-          <p:cNvPr id="5" name="Рисунок 4">
+          <p:cNvPr id="4" name="Рисунок 3">
             <a:extLst>
               <a:ext uri="{FF2B5EF4-FFF2-40B4-BE49-F238E27FC236}">
-                <a16:creationId xmlns:a16="http://schemas.microsoft.com/office/drawing/2014/main" id="{50FC5E12-2650-44C8-91BF-D10FA092F0F4}"/>
+                <a16:creationId xmlns:a16="http://schemas.microsoft.com/office/drawing/2014/main" id="{2C881CE7-17F2-43F0-9D72-4854BC3F1E52}"/>
               </a:ext>
             </a:extLst>
           </p:cNvPr>
@@ -5285,68 +5330,8 @@
         </p:blipFill>
         <p:spPr>
           <a:xfrm>
-            <a:off x="5989320" y="2128394"/>
-            <a:ext cx="5801535" cy="1695687"/>
-          </a:xfrm>
-          <a:prstGeom prst="rect">
-            <a:avLst/>
-          </a:prstGeom>
-        </p:spPr>
-      </p:pic>
-      <p:pic>
-        <p:nvPicPr>
-          <p:cNvPr id="6" name="Рисунок 5">
-            <a:extLst>
-              <a:ext uri="{FF2B5EF4-FFF2-40B4-BE49-F238E27FC236}">
-                <a16:creationId xmlns:a16="http://schemas.microsoft.com/office/drawing/2014/main" id="{4CD718EB-0221-48E5-8D3F-56F27F562404}"/>
-              </a:ext>
-            </a:extLst>
-          </p:cNvPr>
-          <p:cNvPicPr>
-            <a:picLocks noChangeAspect="1"/>
-          </p:cNvPicPr>
-          <p:nvPr/>
-        </p:nvPicPr>
-        <p:blipFill>
-          <a:blip r:embed="rId3"/>
-          <a:stretch>
-            <a:fillRect/>
-          </a:stretch>
-        </p:blipFill>
-        <p:spPr>
-          <a:xfrm>
-            <a:off x="5989320" y="3994989"/>
-            <a:ext cx="2572109" cy="390580"/>
-          </a:xfrm>
-          <a:prstGeom prst="rect">
-            <a:avLst/>
-          </a:prstGeom>
-        </p:spPr>
-      </p:pic>
-      <p:pic>
-        <p:nvPicPr>
-          <p:cNvPr id="7" name="Рисунок 6">
-            <a:extLst>
-              <a:ext uri="{FF2B5EF4-FFF2-40B4-BE49-F238E27FC236}">
-                <a16:creationId xmlns:a16="http://schemas.microsoft.com/office/drawing/2014/main" id="{1BF35188-380C-4FE6-B989-177E51302FDB}"/>
-              </a:ext>
-            </a:extLst>
-          </p:cNvPr>
-          <p:cNvPicPr>
-            <a:picLocks noChangeAspect="1"/>
-          </p:cNvPicPr>
-          <p:nvPr/>
-        </p:nvPicPr>
-        <p:blipFill>
-          <a:blip r:embed="rId4"/>
-          <a:stretch>
-            <a:fillRect/>
-          </a:stretch>
-        </p:blipFill>
-        <p:spPr>
-          <a:xfrm>
-            <a:off x="6028147" y="4556477"/>
-            <a:ext cx="1535628" cy="393121"/>
+            <a:off x="6096000" y="555545"/>
+            <a:ext cx="5496542" cy="6071937"/>
           </a:xfrm>
           <a:prstGeom prst="rect">
             <a:avLst/>
@@ -5433,8 +5418,8 @@
         </p:nvSpPr>
         <p:spPr>
           <a:xfrm>
-            <a:off x="1024128" y="2286000"/>
-            <a:ext cx="4754880" cy="3591017"/>
+            <a:off x="1024128" y="2286001"/>
+            <a:ext cx="4754880" cy="4079288"/>
           </a:xfrm>
         </p:spPr>
         <p:txBody>
@@ -5447,15 +5432,7 @@
               <a:rPr lang="ru-RU" sz="1800" dirty="0">
                 <a:latin typeface="Bookman Old Style" panose="02050604050505020204" pitchFamily="18" charset="0"/>
               </a:rPr>
-              <a:t>Пункт 3</a:t>
-            </a:r>
-          </a:p>
-          <a:p>
-            <a:r>
-              <a:rPr lang="ru-RU" sz="1800" dirty="0">
-                <a:latin typeface="Bookman Old Style" panose="02050604050505020204" pitchFamily="18" charset="0"/>
-              </a:rPr>
-              <a:t>Определить, для какого объекта инфраструктуры сумма кратчайших расстояний от него до всех домов минимальна.</a:t>
+              <a:t>Пункт 2</a:t>
             </a:r>
           </a:p>
           <a:p>
@@ -5464,21 +5441,46 @@
             </a:endParaRPr>
           </a:p>
           <a:p>
+            <a:endParaRPr lang="ru-RU" sz="1800" dirty="0">
+              <a:latin typeface="Bookman Old Style" panose="02050604050505020204" pitchFamily="18" charset="0"/>
+            </a:endParaRPr>
+          </a:p>
+          <a:p>
+            <a:endParaRPr lang="ru-RU" sz="1800" dirty="0">
+              <a:latin typeface="Bookman Old Style" panose="02050604050505020204" pitchFamily="18" charset="0"/>
+            </a:endParaRPr>
+          </a:p>
+          <a:p>
+            <a:endParaRPr lang="ru-RU" sz="1800" dirty="0">
+              <a:latin typeface="Bookman Old Style" panose="02050604050505020204" pitchFamily="18" charset="0"/>
+            </a:endParaRPr>
+          </a:p>
+          <a:p>
+            <a:endParaRPr lang="ru-RU" sz="1800" dirty="0">
+              <a:latin typeface="Bookman Old Style" panose="02050604050505020204" pitchFamily="18" charset="0"/>
+            </a:endParaRPr>
+          </a:p>
+          <a:p>
+            <a:endParaRPr lang="ru-RU" sz="1800" dirty="0">
+              <a:latin typeface="Bookman Old Style" panose="02050604050505020204" pitchFamily="18" charset="0"/>
+            </a:endParaRPr>
+          </a:p>
+          <a:p>
             <a:r>
               <a:rPr lang="ru-RU" sz="1800" dirty="0">
                 <a:latin typeface="Bookman Old Style" panose="02050604050505020204" pitchFamily="18" charset="0"/>
               </a:rPr>
-              <a:t>Зададим вспомогательный лист, в котором будут храниться только индексы выбранных зданий.</a:t>
+              <a:t>Видно, что оптимальная точка (красная на графе) находится примерно в центре графа.</a:t>
             </a:r>
           </a:p>
         </p:txBody>
       </p:sp>
       <p:pic>
         <p:nvPicPr>
-          <p:cNvPr id="4" name="Рисунок 3">
+          <p:cNvPr id="5" name="Рисунок 4">
             <a:extLst>
               <a:ext uri="{FF2B5EF4-FFF2-40B4-BE49-F238E27FC236}">
-                <a16:creationId xmlns:a16="http://schemas.microsoft.com/office/drawing/2014/main" id="{F566150D-6064-44BC-9F80-DDD89090DA4B}"/>
+                <a16:creationId xmlns:a16="http://schemas.microsoft.com/office/drawing/2014/main" id="{23F35942-3258-439C-848A-81DC15E7EAAC}"/>
               </a:ext>
             </a:extLst>
           </p:cNvPr>
@@ -5495,8 +5497,8 @@
         </p:blipFill>
         <p:spPr>
           <a:xfrm>
-            <a:off x="1123786" y="5468500"/>
-            <a:ext cx="3019846" cy="609685"/>
+            <a:off x="1053328" y="2822629"/>
+            <a:ext cx="5992061" cy="447737"/>
           </a:xfrm>
           <a:prstGeom prst="rect">
             <a:avLst/>
@@ -5505,10 +5507,10 @@
       </p:pic>
       <p:pic>
         <p:nvPicPr>
-          <p:cNvPr id="8" name="Рисунок 7">
+          <p:cNvPr id="6" name="Рисунок 5">
             <a:extLst>
               <a:ext uri="{FF2B5EF4-FFF2-40B4-BE49-F238E27FC236}">
-                <a16:creationId xmlns:a16="http://schemas.microsoft.com/office/drawing/2014/main" id="{60D26986-5C76-4B2F-8D4E-85E8BF1D13A5}"/>
+                <a16:creationId xmlns:a16="http://schemas.microsoft.com/office/drawing/2014/main" id="{CF71E49C-DFD4-4B9F-A560-B2B3E59E4D5B}"/>
               </a:ext>
             </a:extLst>
           </p:cNvPr>
@@ -5525,8 +5527,8 @@
         </p:blipFill>
         <p:spPr>
           <a:xfrm>
-            <a:off x="6061759" y="2084832"/>
-            <a:ext cx="5106113" cy="1162212"/>
+            <a:off x="1053328" y="3586133"/>
+            <a:ext cx="3124636" cy="990738"/>
           </a:xfrm>
           <a:prstGeom prst="rect">
             <a:avLst/>
@@ -5535,10 +5537,10 @@
       </p:pic>
       <p:pic>
         <p:nvPicPr>
-          <p:cNvPr id="9" name="Рисунок 8">
+          <p:cNvPr id="8" name="Рисунок 7">
             <a:extLst>
               <a:ext uri="{FF2B5EF4-FFF2-40B4-BE49-F238E27FC236}">
-                <a16:creationId xmlns:a16="http://schemas.microsoft.com/office/drawing/2014/main" id="{7772A5F6-E300-4CB5-9B27-89B76FD098D6}"/>
+                <a16:creationId xmlns:a16="http://schemas.microsoft.com/office/drawing/2014/main" id="{E13A56B9-D373-4C38-B734-F977A8399983}"/>
               </a:ext>
             </a:extLst>
           </p:cNvPr>
@@ -5547,15 +5549,46 @@
           </p:cNvPicPr>
           <p:nvPr/>
         </p:nvPicPr>
-        <p:blipFill rotWithShape="1">
+        <p:blipFill>
           <a:blip r:embed="rId4"/>
-          <a:srcRect t="7749"/>
-          <a:stretch/>
+          <a:stretch>
+            <a:fillRect/>
+          </a:stretch>
         </p:blipFill>
         <p:spPr>
           <a:xfrm>
-            <a:off x="6061759" y="3604334"/>
-            <a:ext cx="2524477" cy="685474"/>
+            <a:off x="7533054" y="0"/>
+            <a:ext cx="4334559" cy="6858000"/>
+          </a:xfrm>
+          <a:prstGeom prst="rect">
+            <a:avLst/>
+          </a:prstGeom>
+        </p:spPr>
+      </p:pic>
+      <p:pic>
+        <p:nvPicPr>
+          <p:cNvPr id="9" name="Рисунок 8">
+            <a:extLst>
+              <a:ext uri="{FF2B5EF4-FFF2-40B4-BE49-F238E27FC236}">
+                <a16:creationId xmlns:a16="http://schemas.microsoft.com/office/drawing/2014/main" id="{216B66AB-A56A-40F2-BEB1-9D76F925A928}"/>
+              </a:ext>
+            </a:extLst>
+          </p:cNvPr>
+          <p:cNvPicPr>
+            <a:picLocks noChangeAspect="1"/>
+          </p:cNvPicPr>
+          <p:nvPr/>
+        </p:nvPicPr>
+        <p:blipFill>
+          <a:blip r:embed="rId5"/>
+          <a:stretch>
+            <a:fillRect/>
+          </a:stretch>
+        </p:blipFill>
+        <p:spPr>
+          <a:xfrm>
+            <a:off x="1053328" y="4805057"/>
+            <a:ext cx="4696480" cy="390580"/>
           </a:xfrm>
           <a:prstGeom prst="rect">
             <a:avLst/>
@@ -5565,7 +5598,7 @@
     </p:spTree>
     <p:extLst>
       <p:ext uri="{BB962C8B-B14F-4D97-AF65-F5344CB8AC3E}">
-        <p14:creationId xmlns:p14="http://schemas.microsoft.com/office/powerpoint/2010/main" val="715396249"/>
+        <p14:creationId xmlns:p14="http://schemas.microsoft.com/office/powerpoint/2010/main" val="4077389238"/>
       </p:ext>
     </p:extLst>
   </p:cSld>
@@ -5643,7 +5676,7 @@
         <p:spPr>
           <a:xfrm>
             <a:off x="1024128" y="2286000"/>
-            <a:ext cx="4754880" cy="1895383"/>
+            <a:ext cx="4754880" cy="3591017"/>
           </a:xfrm>
         </p:spPr>
         <p:txBody>
@@ -5656,7 +5689,7 @@
               <a:rPr lang="ru-RU" sz="1800" dirty="0">
                 <a:latin typeface="Bookman Old Style" panose="02050604050505020204" pitchFamily="18" charset="0"/>
               </a:rPr>
-              <a:t>Пункт 4</a:t>
+              <a:t>Пункт 3</a:t>
             </a:r>
           </a:p>
           <a:p>
@@ -5664,7 +5697,7 @@
               <a:rPr lang="ru-RU" sz="1800" dirty="0">
                 <a:latin typeface="Bookman Old Style" panose="02050604050505020204" pitchFamily="18" charset="0"/>
               </a:rPr>
-              <a:t>Определить, для какого объекта инфраструктуры построенное дерево кратчайших путей имеет минимальный вес.</a:t>
+              <a:t>Определить, для какого объекта инфраструктуры сумма кратчайших расстояний от него до всех домов минимальна.</a:t>
             </a:r>
           </a:p>
         </p:txBody>
@@ -5674,7 +5707,7 @@
           <p:cNvPr id="5" name="Рисунок 4">
             <a:extLst>
               <a:ext uri="{FF2B5EF4-FFF2-40B4-BE49-F238E27FC236}">
-                <a16:creationId xmlns:a16="http://schemas.microsoft.com/office/drawing/2014/main" id="{50FC5E12-2650-44C8-91BF-D10FA092F0F4}"/>
+                <a16:creationId xmlns:a16="http://schemas.microsoft.com/office/drawing/2014/main" id="{72A0CDC9-2D8C-4BDF-908F-6C1EC132AA6E}"/>
               </a:ext>
             </a:extLst>
           </p:cNvPr>
@@ -5691,8 +5724,8 @@
         </p:blipFill>
         <p:spPr>
           <a:xfrm>
-            <a:off x="5989320" y="2128394"/>
-            <a:ext cx="5801535" cy="1695687"/>
+            <a:off x="6566655" y="2084832"/>
+            <a:ext cx="4601217" cy="3258005"/>
           </a:xfrm>
           <a:prstGeom prst="rect">
             <a:avLst/>
@@ -5704,7 +5737,7 @@
           <p:cNvPr id="6" name="Рисунок 5">
             <a:extLst>
               <a:ext uri="{FF2B5EF4-FFF2-40B4-BE49-F238E27FC236}">
-                <a16:creationId xmlns:a16="http://schemas.microsoft.com/office/drawing/2014/main" id="{4CD718EB-0221-48E5-8D3F-56F27F562404}"/>
+                <a16:creationId xmlns:a16="http://schemas.microsoft.com/office/drawing/2014/main" id="{DBC1F375-C56C-4B68-87C7-CA23BFAF327A}"/>
               </a:ext>
             </a:extLst>
           </p:cNvPr>
@@ -5721,38 +5754,8 @@
         </p:blipFill>
         <p:spPr>
           <a:xfrm>
-            <a:off x="5989320" y="3994989"/>
-            <a:ext cx="2572109" cy="390580"/>
-          </a:xfrm>
-          <a:prstGeom prst="rect">
-            <a:avLst/>
-          </a:prstGeom>
-        </p:spPr>
-      </p:pic>
-      <p:pic>
-        <p:nvPicPr>
-          <p:cNvPr id="7" name="Рисунок 6">
-            <a:extLst>
-              <a:ext uri="{FF2B5EF4-FFF2-40B4-BE49-F238E27FC236}">
-                <a16:creationId xmlns:a16="http://schemas.microsoft.com/office/drawing/2014/main" id="{1BF35188-380C-4FE6-B989-177E51302FDB}"/>
-              </a:ext>
-            </a:extLst>
-          </p:cNvPr>
-          <p:cNvPicPr>
-            <a:picLocks noChangeAspect="1"/>
-          </p:cNvPicPr>
-          <p:nvPr/>
-        </p:nvPicPr>
-        <p:blipFill>
-          <a:blip r:embed="rId4"/>
-          <a:stretch>
-            <a:fillRect/>
-          </a:stretch>
-        </p:blipFill>
-        <p:spPr>
-          <a:xfrm>
-            <a:off x="6028147" y="4556477"/>
-            <a:ext cx="1535628" cy="393121"/>
+            <a:off x="6566655" y="5663099"/>
+            <a:ext cx="4220164" cy="609685"/>
           </a:xfrm>
           <a:prstGeom prst="rect">
             <a:avLst/>
@@ -5762,7 +5765,7 @@
     </p:spTree>
     <p:extLst>
       <p:ext uri="{BB962C8B-B14F-4D97-AF65-F5344CB8AC3E}">
-        <p14:creationId xmlns:p14="http://schemas.microsoft.com/office/powerpoint/2010/main" val="1334550411"/>
+        <p14:creationId xmlns:p14="http://schemas.microsoft.com/office/powerpoint/2010/main" val="715396249"/>
       </p:ext>
     </p:extLst>
   </p:cSld>
@@ -5794,7 +5797,7 @@
           <p:cNvPr id="2" name="Заголовок 1">
             <a:extLst>
               <a:ext uri="{FF2B5EF4-FFF2-40B4-BE49-F238E27FC236}">
-                <a16:creationId xmlns:a16="http://schemas.microsoft.com/office/drawing/2014/main" id="{12637C34-1719-4130-9112-6A0C4E354F85}"/>
+                <a16:creationId xmlns:a16="http://schemas.microsoft.com/office/drawing/2014/main" id="{75E18E05-5563-44E6-97BF-EBEB1DB9DFB9}"/>
               </a:ext>
             </a:extLst>
           </p:cNvPr>
@@ -5816,17 +5819,17 @@
               <a:rPr lang="ru-RU" sz="4000" dirty="0">
                 <a:latin typeface="Bookman Old Style" panose="02050604050505020204" pitchFamily="18" charset="0"/>
               </a:rPr>
-              <a:t>Задание 2</a:t>
-            </a:r>
-          </a:p>
-        </p:txBody>
-      </p:sp>
-      <p:sp>
-        <p:nvSpPr>
-          <p:cNvPr id="5" name="Объект 4">
+              <a:t>Задание 1</a:t>
+            </a:r>
+          </a:p>
+        </p:txBody>
+      </p:sp>
+      <p:sp>
+        <p:nvSpPr>
+          <p:cNvPr id="3" name="Объект 2">
             <a:extLst>
               <a:ext uri="{FF2B5EF4-FFF2-40B4-BE49-F238E27FC236}">
-                <a16:creationId xmlns:a16="http://schemas.microsoft.com/office/drawing/2014/main" id="{F59BB189-0977-4C36-AB41-1F2B24273CF5}"/>
+                <a16:creationId xmlns:a16="http://schemas.microsoft.com/office/drawing/2014/main" id="{02135BD0-C95D-4332-9309-C438BF9CF031}"/>
               </a:ext>
             </a:extLst>
           </p:cNvPr>
@@ -5834,10 +5837,15 @@
             <a:spLocks noGrp="1"/>
           </p:cNvSpPr>
           <p:nvPr>
-            <p:ph idx="1"/>
-          </p:nvPr>
-        </p:nvSpPr>
-        <p:spPr/>
+            <p:ph sz="half" idx="1"/>
+          </p:nvPr>
+        </p:nvSpPr>
+        <p:spPr>
+          <a:xfrm>
+            <a:off x="1024128" y="2286000"/>
+            <a:ext cx="4754880" cy="1895383"/>
+          </a:xfrm>
+        </p:spPr>
         <p:txBody>
           <a:bodyPr>
             <a:normAutofit/>
@@ -5848,139 +5856,113 @@
               <a:rPr lang="ru-RU" sz="1800" dirty="0">
                 <a:latin typeface="Bookman Old Style" panose="02050604050505020204" pitchFamily="18" charset="0"/>
               </a:rPr>
-              <a:t>В качестве метода кластеризации было предложено использовать метод полной связи (</a:t>
-            </a:r>
-            <a:r>
-              <a:rPr lang="ru-RU" sz="1800" dirty="0" err="1">
-                <a:latin typeface="Bookman Old Style" panose="02050604050505020204" pitchFamily="18" charset="0"/>
-              </a:rPr>
-              <a:t>сomplete-linkage</a:t>
-            </a:r>
+              <a:t>Пункт 4</a:t>
+            </a:r>
+          </a:p>
+          <a:p>
             <a:r>
               <a:rPr lang="ru-RU" sz="1800" dirty="0">
                 <a:latin typeface="Bookman Old Style" panose="02050604050505020204" pitchFamily="18" charset="0"/>
               </a:rPr>
-              <a:t> </a:t>
-            </a:r>
-            <a:r>
-              <a:rPr lang="ru-RU" sz="1800" dirty="0" err="1">
-                <a:latin typeface="Bookman Old Style" panose="02050604050505020204" pitchFamily="18" charset="0"/>
-              </a:rPr>
-              <a:t>clustering</a:t>
-            </a:r>
-            <a:r>
-              <a:rPr lang="ru-RU" sz="1800" dirty="0">
-                <a:latin typeface="Bookman Old Style" panose="02050604050505020204" pitchFamily="18" charset="0"/>
-              </a:rPr>
-              <a:t>).</a:t>
-            </a:r>
-          </a:p>
-          <a:p>
-            <a:r>
-              <a:rPr lang="ru-RU" sz="1800" dirty="0">
-                <a:latin typeface="Bookman Old Style" panose="02050604050505020204" pitchFamily="18" charset="0"/>
-              </a:rPr>
-              <a:t>Для этого нами была использована библиотека </a:t>
-            </a:r>
-            <a:r>
-              <a:rPr lang="en-US" sz="1800" dirty="0" err="1">
-                <a:latin typeface="Bookman Old Style" panose="02050604050505020204" pitchFamily="18" charset="0"/>
-              </a:rPr>
-              <a:t>scipy.cluster.hierarchy</a:t>
-            </a:r>
-            <a:r>
-              <a:rPr lang="en-US" sz="1800" dirty="0">
-                <a:latin typeface="Bookman Old Style" panose="02050604050505020204" pitchFamily="18" charset="0"/>
-              </a:rPr>
-              <a:t>.</a:t>
-            </a:r>
-            <a:r>
-              <a:rPr lang="ru-RU" sz="1800" dirty="0">
-                <a:latin typeface="Bookman Old Style" panose="02050604050505020204" pitchFamily="18" charset="0"/>
-              </a:rPr>
-              <a:t> и методы </a:t>
-            </a:r>
-            <a:r>
-              <a:rPr lang="en-US" sz="1800" dirty="0">
-                <a:latin typeface="Bookman Old Style" panose="02050604050505020204" pitchFamily="18" charset="0"/>
-              </a:rPr>
-              <a:t>linkage (method='complete’) (</a:t>
-            </a:r>
-            <a:r>
-              <a:rPr lang="ru-RU" sz="1800" dirty="0">
-                <a:latin typeface="Bookman Old Style" panose="02050604050505020204" pitchFamily="18" charset="0"/>
-              </a:rPr>
-              <a:t>для выполнения второго пункта задания) и </a:t>
-            </a:r>
-            <a:r>
-              <a:rPr lang="en-US" sz="1800" dirty="0" err="1">
-                <a:latin typeface="Bookman Old Style" panose="02050604050505020204" pitchFamily="18" charset="0"/>
-              </a:rPr>
-              <a:t>fcluster</a:t>
-            </a:r>
-            <a:r>
-              <a:rPr lang="en-US" sz="1800" dirty="0">
-                <a:latin typeface="Bookman Old Style" panose="02050604050505020204" pitchFamily="18" charset="0"/>
-              </a:rPr>
-              <a:t>(Z, k, criterion = '</a:t>
-            </a:r>
-            <a:r>
-              <a:rPr lang="en-US" sz="1800" dirty="0" err="1">
-                <a:latin typeface="Bookman Old Style" panose="02050604050505020204" pitchFamily="18" charset="0"/>
-              </a:rPr>
-              <a:t>maxclust</a:t>
-            </a:r>
-            <a:r>
-              <a:rPr lang="en-US" sz="1800" dirty="0">
-                <a:latin typeface="Bookman Old Style" panose="02050604050505020204" pitchFamily="18" charset="0"/>
-              </a:rPr>
-              <a:t>’)</a:t>
-            </a:r>
-            <a:r>
-              <a:rPr lang="ru-RU" sz="1800" dirty="0">
-                <a:latin typeface="Bookman Old Style" panose="02050604050505020204" pitchFamily="18" charset="0"/>
-              </a:rPr>
-              <a:t> (для выполнения 3 и 4 пунктов).</a:t>
-            </a:r>
-          </a:p>
-          <a:p>
-            <a:r>
-              <a:rPr lang="ru-RU" sz="1800" dirty="0">
-                <a:latin typeface="Bookman Old Style" panose="02050604050505020204" pitchFamily="18" charset="0"/>
-              </a:rPr>
-              <a:t>Для построение </a:t>
-            </a:r>
-            <a:r>
-              <a:rPr lang="ru-RU" sz="1800" dirty="0" err="1">
-                <a:latin typeface="Bookman Old Style" panose="02050604050505020204" pitchFamily="18" charset="0"/>
-              </a:rPr>
-              <a:t>дендрограммы</a:t>
-            </a:r>
-            <a:r>
-              <a:rPr lang="ru-RU" sz="1800" dirty="0">
-                <a:latin typeface="Bookman Old Style" panose="02050604050505020204" pitchFamily="18" charset="0"/>
-              </a:rPr>
-              <a:t> также использовалась встроенная функция </a:t>
-            </a:r>
-            <a:r>
-              <a:rPr lang="en-US" sz="1800" dirty="0">
-                <a:latin typeface="Bookman Old Style" panose="02050604050505020204" pitchFamily="18" charset="0"/>
-              </a:rPr>
-              <a:t>dendrogram</a:t>
-            </a:r>
-            <a:r>
-              <a:rPr lang="ru-RU" sz="1800" dirty="0">
-                <a:latin typeface="Bookman Old Style" panose="02050604050505020204" pitchFamily="18" charset="0"/>
-              </a:rPr>
-              <a:t>().</a:t>
-            </a:r>
-          </a:p>
-        </p:txBody>
-      </p:sp>
+              <a:t>Определить, для какого объекта инфраструктуры построенное дерево кратчайших путей имеет минимальный вес.</a:t>
+            </a:r>
+          </a:p>
+        </p:txBody>
+      </p:sp>
+      <p:pic>
+        <p:nvPicPr>
+          <p:cNvPr id="5" name="Рисунок 4">
+            <a:extLst>
+              <a:ext uri="{FF2B5EF4-FFF2-40B4-BE49-F238E27FC236}">
+                <a16:creationId xmlns:a16="http://schemas.microsoft.com/office/drawing/2014/main" id="{50FC5E12-2650-44C8-91BF-D10FA092F0F4}"/>
+              </a:ext>
+            </a:extLst>
+          </p:cNvPr>
+          <p:cNvPicPr>
+            <a:picLocks noChangeAspect="1"/>
+          </p:cNvPicPr>
+          <p:nvPr/>
+        </p:nvPicPr>
+        <p:blipFill>
+          <a:blip r:embed="rId2"/>
+          <a:stretch>
+            <a:fillRect/>
+          </a:stretch>
+        </p:blipFill>
+        <p:spPr>
+          <a:xfrm>
+            <a:off x="5989320" y="2128394"/>
+            <a:ext cx="5801535" cy="1695687"/>
+          </a:xfrm>
+          <a:prstGeom prst="rect">
+            <a:avLst/>
+          </a:prstGeom>
+        </p:spPr>
+      </p:pic>
+      <p:pic>
+        <p:nvPicPr>
+          <p:cNvPr id="6" name="Рисунок 5">
+            <a:extLst>
+              <a:ext uri="{FF2B5EF4-FFF2-40B4-BE49-F238E27FC236}">
+                <a16:creationId xmlns:a16="http://schemas.microsoft.com/office/drawing/2014/main" id="{4CD718EB-0221-48E5-8D3F-56F27F562404}"/>
+              </a:ext>
+            </a:extLst>
+          </p:cNvPr>
+          <p:cNvPicPr>
+            <a:picLocks noChangeAspect="1"/>
+          </p:cNvPicPr>
+          <p:nvPr/>
+        </p:nvPicPr>
+        <p:blipFill>
+          <a:blip r:embed="rId3"/>
+          <a:stretch>
+            <a:fillRect/>
+          </a:stretch>
+        </p:blipFill>
+        <p:spPr>
+          <a:xfrm>
+            <a:off x="5989320" y="3994989"/>
+            <a:ext cx="2572109" cy="390580"/>
+          </a:xfrm>
+          <a:prstGeom prst="rect">
+            <a:avLst/>
+          </a:prstGeom>
+        </p:spPr>
+      </p:pic>
+      <p:pic>
+        <p:nvPicPr>
+          <p:cNvPr id="7" name="Рисунок 6">
+            <a:extLst>
+              <a:ext uri="{FF2B5EF4-FFF2-40B4-BE49-F238E27FC236}">
+                <a16:creationId xmlns:a16="http://schemas.microsoft.com/office/drawing/2014/main" id="{1BF35188-380C-4FE6-B989-177E51302FDB}"/>
+              </a:ext>
+            </a:extLst>
+          </p:cNvPr>
+          <p:cNvPicPr>
+            <a:picLocks noChangeAspect="1"/>
+          </p:cNvPicPr>
+          <p:nvPr/>
+        </p:nvPicPr>
+        <p:blipFill>
+          <a:blip r:embed="rId4"/>
+          <a:stretch>
+            <a:fillRect/>
+          </a:stretch>
+        </p:blipFill>
+        <p:spPr>
+          <a:xfrm>
+            <a:off x="6028147" y="4556477"/>
+            <a:ext cx="1535628" cy="393121"/>
+          </a:xfrm>
+          <a:prstGeom prst="rect">
+            <a:avLst/>
+          </a:prstGeom>
+        </p:spPr>
+      </p:pic>
     </p:spTree>
     <p:extLst>
       <p:ext uri="{BB962C8B-B14F-4D97-AF65-F5344CB8AC3E}">
-        <p14:creationId xmlns:p14="http://schemas.microsoft.com/office/powerpoint/2010/main" val="3680267979"/>
+        <p14:creationId xmlns:p14="http://schemas.microsoft.com/office/powerpoint/2010/main" val="1334550411"/>
       </p:ext>
     </p:extLst>
   </p:cSld>
@@ -6289,7 +6271,7 @@
           <p:cNvPr id="2" name="Заголовок 1">
             <a:extLst>
               <a:ext uri="{FF2B5EF4-FFF2-40B4-BE49-F238E27FC236}">
-                <a16:creationId xmlns:a16="http://schemas.microsoft.com/office/drawing/2014/main" id="{503D5F2C-431C-4D0B-AA9D-F9053A660971}"/>
+                <a16:creationId xmlns:a16="http://schemas.microsoft.com/office/drawing/2014/main" id="{12637C34-1719-4130-9112-6A0C4E354F85}"/>
               </a:ext>
             </a:extLst>
           </p:cNvPr>
@@ -6313,16 +6295,15 @@
               </a:rPr>
               <a:t>Задание 2</a:t>
             </a:r>
-            <a:endParaRPr lang="ru-RU" sz="4000" dirty="0"/>
-          </a:p>
-        </p:txBody>
-      </p:sp>
-      <p:sp>
-        <p:nvSpPr>
-          <p:cNvPr id="4" name="Объект 3">
+          </a:p>
+        </p:txBody>
+      </p:sp>
+      <p:sp>
+        <p:nvSpPr>
+          <p:cNvPr id="5" name="Объект 4">
             <a:extLst>
               <a:ext uri="{FF2B5EF4-FFF2-40B4-BE49-F238E27FC236}">
-                <a16:creationId xmlns:a16="http://schemas.microsoft.com/office/drawing/2014/main" id="{076DEE4C-8BDA-4723-AC0A-4871ED029059}"/>
+                <a16:creationId xmlns:a16="http://schemas.microsoft.com/office/drawing/2014/main" id="{F59BB189-0977-4C36-AB41-1F2B24273CF5}"/>
               </a:ext>
             </a:extLst>
           </p:cNvPr>
@@ -6330,7 +6311,7 @@
             <a:spLocks noGrp="1"/>
           </p:cNvSpPr>
           <p:nvPr>
-            <p:ph sz="half" idx="1"/>
+            <p:ph idx="1"/>
           </p:nvPr>
         </p:nvSpPr>
         <p:spPr/>
@@ -6344,48 +6325,139 @@
               <a:rPr lang="ru-RU" sz="1800" dirty="0">
                 <a:latin typeface="Bookman Old Style" panose="02050604050505020204" pitchFamily="18" charset="0"/>
               </a:rPr>
-              <a:t>Пункт 1</a:t>
-            </a:r>
-          </a:p>
-          <a:p>
+              <a:t>В качестве метода кластеризации было предложено использовать метод полной связи (</a:t>
+            </a:r>
+            <a:r>
+              <a:rPr lang="ru-RU" sz="1800" dirty="0" err="1">
+                <a:latin typeface="Bookman Old Style" panose="02050604050505020204" pitchFamily="18" charset="0"/>
+              </a:rPr>
+              <a:t>сomplete-linkage</a:t>
+            </a:r>
             <a:r>
               <a:rPr lang="ru-RU" sz="1800" dirty="0">
                 <a:latin typeface="Bookman Old Style" panose="02050604050505020204" pitchFamily="18" charset="0"/>
               </a:rPr>
-              <a:t>Построить дерево кратчайших путей от объекта до выбранных узлов. Вычислить общую длину дерева, а также сумму кратчайших расстояний от объекта до всех заданных узлов.</a:t>
-            </a:r>
-          </a:p>
-        </p:txBody>
-      </p:sp>
-      <p:sp>
-        <p:nvSpPr>
-          <p:cNvPr id="5" name="Объект 4">
-            <a:extLst>
-              <a:ext uri="{FF2B5EF4-FFF2-40B4-BE49-F238E27FC236}">
-                <a16:creationId xmlns:a16="http://schemas.microsoft.com/office/drawing/2014/main" id="{B9C394C0-43DF-476D-B261-F28E07FC6A16}"/>
-              </a:ext>
-            </a:extLst>
-          </p:cNvPr>
-          <p:cNvSpPr>
-            <a:spLocks noGrp="1"/>
-          </p:cNvSpPr>
-          <p:nvPr>
-            <p:ph sz="half" idx="2"/>
-          </p:nvPr>
-        </p:nvSpPr>
-        <p:spPr/>
-        <p:txBody>
-          <a:bodyPr/>
-          <a:lstStyle/>
-          <a:p>
-            <a:endParaRPr lang="ru-RU"/>
+              <a:t> </a:t>
+            </a:r>
+            <a:r>
+              <a:rPr lang="ru-RU" sz="1800" dirty="0" err="1">
+                <a:latin typeface="Bookman Old Style" panose="02050604050505020204" pitchFamily="18" charset="0"/>
+              </a:rPr>
+              <a:t>clustering</a:t>
+            </a:r>
+            <a:r>
+              <a:rPr lang="ru-RU" sz="1800" dirty="0">
+                <a:latin typeface="Bookman Old Style" panose="02050604050505020204" pitchFamily="18" charset="0"/>
+              </a:rPr>
+              <a:t>).</a:t>
+            </a:r>
+          </a:p>
+          <a:p>
+            <a:r>
+              <a:rPr lang="ru-RU" sz="1800" dirty="0">
+                <a:latin typeface="Bookman Old Style" panose="02050604050505020204" pitchFamily="18" charset="0"/>
+              </a:rPr>
+              <a:t>Для этого нами была использована библиотека </a:t>
+            </a:r>
+            <a:r>
+              <a:rPr lang="en-US" sz="1800" dirty="0" err="1">
+                <a:latin typeface="Bookman Old Style" panose="02050604050505020204" pitchFamily="18" charset="0"/>
+              </a:rPr>
+              <a:t>scipy.cluster.hierarchy</a:t>
+            </a:r>
+            <a:r>
+              <a:rPr lang="en-US" sz="1800" dirty="0">
+                <a:latin typeface="Bookman Old Style" panose="02050604050505020204" pitchFamily="18" charset="0"/>
+              </a:rPr>
+              <a:t>.</a:t>
+            </a:r>
+            <a:r>
+              <a:rPr lang="ru-RU" sz="1800" dirty="0">
+                <a:latin typeface="Bookman Old Style" panose="02050604050505020204" pitchFamily="18" charset="0"/>
+              </a:rPr>
+              <a:t> и методы </a:t>
+            </a:r>
+            <a:r>
+              <a:rPr lang="en-US" sz="1800" dirty="0">
+                <a:latin typeface="Bookman Old Style" panose="02050604050505020204" pitchFamily="18" charset="0"/>
+              </a:rPr>
+              <a:t>linkage (method='complete’) (</a:t>
+            </a:r>
+            <a:r>
+              <a:rPr lang="ru-RU" sz="1800" dirty="0">
+                <a:latin typeface="Bookman Old Style" panose="02050604050505020204" pitchFamily="18" charset="0"/>
+              </a:rPr>
+              <a:t>для выполнения второго пункта задания) и </a:t>
+            </a:r>
+            <a:r>
+              <a:rPr lang="en-US" sz="1800" dirty="0" err="1">
+                <a:latin typeface="Bookman Old Style" panose="02050604050505020204" pitchFamily="18" charset="0"/>
+              </a:rPr>
+              <a:t>fcluster</a:t>
+            </a:r>
+            <a:r>
+              <a:rPr lang="en-US" sz="1800" dirty="0">
+                <a:latin typeface="Bookman Old Style" panose="02050604050505020204" pitchFamily="18" charset="0"/>
+              </a:rPr>
+              <a:t>(Z, k, criterion = '</a:t>
+            </a:r>
+            <a:r>
+              <a:rPr lang="en-US" sz="1800" dirty="0" err="1">
+                <a:latin typeface="Bookman Old Style" panose="02050604050505020204" pitchFamily="18" charset="0"/>
+              </a:rPr>
+              <a:t>maxclust</a:t>
+            </a:r>
+            <a:r>
+              <a:rPr lang="en-US" sz="1800" dirty="0">
+                <a:latin typeface="Bookman Old Style" panose="02050604050505020204" pitchFamily="18" charset="0"/>
+              </a:rPr>
+              <a:t>’)</a:t>
+            </a:r>
+            <a:r>
+              <a:rPr lang="ru-RU" sz="1800" dirty="0">
+                <a:latin typeface="Bookman Old Style" panose="02050604050505020204" pitchFamily="18" charset="0"/>
+              </a:rPr>
+              <a:t> (для выполнения 3 и 4 пунктов).</a:t>
+            </a:r>
+          </a:p>
+          <a:p>
+            <a:r>
+              <a:rPr lang="ru-RU" sz="1800" dirty="0">
+                <a:latin typeface="Bookman Old Style" panose="02050604050505020204" pitchFamily="18" charset="0"/>
+              </a:rPr>
+              <a:t>Для построение </a:t>
+            </a:r>
+            <a:r>
+              <a:rPr lang="ru-RU" sz="1800" dirty="0" err="1">
+                <a:latin typeface="Bookman Old Style" panose="02050604050505020204" pitchFamily="18" charset="0"/>
+              </a:rPr>
+              <a:t>дендрограммы</a:t>
+            </a:r>
+            <a:r>
+              <a:rPr lang="ru-RU" sz="1800" dirty="0">
+                <a:latin typeface="Bookman Old Style" panose="02050604050505020204" pitchFamily="18" charset="0"/>
+              </a:rPr>
+              <a:t> также использовалась встроенная функция </a:t>
+            </a:r>
+            <a:r>
+              <a:rPr lang="en-US" sz="1800" dirty="0">
+                <a:latin typeface="Bookman Old Style" panose="02050604050505020204" pitchFamily="18" charset="0"/>
+              </a:rPr>
+              <a:t>dendrogram</a:t>
+            </a:r>
+            <a:r>
+              <a:rPr lang="ru-RU" sz="1800" dirty="0">
+                <a:latin typeface="Bookman Old Style" panose="02050604050505020204" pitchFamily="18" charset="0"/>
+              </a:rPr>
+              <a:t>().</a:t>
+            </a:r>
           </a:p>
         </p:txBody>
       </p:sp>
     </p:spTree>
     <p:extLst>
       <p:ext uri="{BB962C8B-B14F-4D97-AF65-F5344CB8AC3E}">
-        <p14:creationId xmlns:p14="http://schemas.microsoft.com/office/powerpoint/2010/main" val="1287935687"/>
+        <p14:creationId xmlns:p14="http://schemas.microsoft.com/office/powerpoint/2010/main" val="3680267979"/>
       </p:ext>
     </p:extLst>
   </p:cSld>
@@ -6513,7 +6585,7 @@
     </p:spTree>
     <p:extLst>
       <p:ext uri="{BB962C8B-B14F-4D97-AF65-F5344CB8AC3E}">
-        <p14:creationId xmlns:p14="http://schemas.microsoft.com/office/powerpoint/2010/main" val="3571756336"/>
+        <p14:creationId xmlns:p14="http://schemas.microsoft.com/office/powerpoint/2010/main" val="1287935687"/>
       </p:ext>
     </p:extLst>
   </p:cSld>
@@ -6600,7 +6672,7 @@
               <a:rPr lang="ru-RU" sz="1800" dirty="0">
                 <a:latin typeface="Bookman Old Style" panose="02050604050505020204" pitchFamily="18" charset="0"/>
               </a:rPr>
-              <a:t>Пункт 2</a:t>
+              <a:t>Пункт 1</a:t>
             </a:r>
           </a:p>
           <a:p>
@@ -6608,153 +6680,40 @@
               <a:rPr lang="ru-RU" sz="1800" dirty="0">
                 <a:latin typeface="Bookman Old Style" panose="02050604050505020204" pitchFamily="18" charset="0"/>
               </a:rPr>
-              <a:t>Разбить выбранные узлы на кластеры, используя метод полной связи (</a:t>
-            </a:r>
-            <a:r>
-              <a:rPr lang="ru-RU" sz="1800" dirty="0" err="1">
-                <a:latin typeface="Bookman Old Style" panose="02050604050505020204" pitchFamily="18" charset="0"/>
-              </a:rPr>
-              <a:t>сomplete-linkage</a:t>
-            </a:r>
-            <a:r>
-              <a:rPr lang="ru-RU" sz="1800" dirty="0">
-                <a:latin typeface="Bookman Old Style" panose="02050604050505020204" pitchFamily="18" charset="0"/>
-              </a:rPr>
-              <a:t> </a:t>
-            </a:r>
-            <a:r>
-              <a:rPr lang="ru-RU" sz="1800" dirty="0" err="1">
-                <a:latin typeface="Bookman Old Style" panose="02050604050505020204" pitchFamily="18" charset="0"/>
-              </a:rPr>
-              <a:t>clustering</a:t>
-            </a:r>
-            <a:r>
-              <a:rPr lang="ru-RU" sz="1800" dirty="0">
-                <a:latin typeface="Bookman Old Style" panose="02050604050505020204" pitchFamily="18" charset="0"/>
-              </a:rPr>
-              <a:t>). Построить </a:t>
-            </a:r>
-            <a:r>
-              <a:rPr lang="ru-RU" sz="1800" dirty="0" err="1">
-                <a:latin typeface="Bookman Old Style" panose="02050604050505020204" pitchFamily="18" charset="0"/>
-              </a:rPr>
-              <a:t>дендрограмму</a:t>
-            </a:r>
-            <a:r>
-              <a:rPr lang="ru-RU" sz="1800" dirty="0">
-                <a:latin typeface="Bookman Old Style" panose="02050604050505020204" pitchFamily="18" charset="0"/>
-              </a:rPr>
-              <a:t> разбиения узлов.</a:t>
-            </a:r>
-          </a:p>
-          <a:p>
-            <a:endParaRPr lang="ru-RU" sz="1800" dirty="0">
-              <a:latin typeface="Bookman Old Style" panose="02050604050505020204" pitchFamily="18" charset="0"/>
-            </a:endParaRPr>
-          </a:p>
-          <a:p>
-            <a:r>
-              <a:rPr lang="ru-RU" sz="1800" dirty="0">
-                <a:latin typeface="Bookman Old Style" panose="02050604050505020204" pitchFamily="18" charset="0"/>
-              </a:rPr>
-              <a:t>Зададим матрицу путей между выбранными узлами.</a:t>
-            </a:r>
-          </a:p>
-        </p:txBody>
-      </p:sp>
-      <p:pic>
-        <p:nvPicPr>
-          <p:cNvPr id="11" name="Рисунок 10">
+              <a:t>Построить дерево кратчайших путей от объекта до выбранных узлов. Вычислить общую длину дерева, а также сумму кратчайших расстояний от объекта до всех заданных узлов.</a:t>
+            </a:r>
+          </a:p>
+        </p:txBody>
+      </p:sp>
+      <p:sp>
+        <p:nvSpPr>
+          <p:cNvPr id="5" name="Объект 4">
             <a:extLst>
               <a:ext uri="{FF2B5EF4-FFF2-40B4-BE49-F238E27FC236}">
-                <a16:creationId xmlns:a16="http://schemas.microsoft.com/office/drawing/2014/main" id="{B418A15F-8595-4835-9F06-E30058D2DDC2}"/>
+                <a16:creationId xmlns:a16="http://schemas.microsoft.com/office/drawing/2014/main" id="{B9C394C0-43DF-476D-B261-F28E07FC6A16}"/>
               </a:ext>
             </a:extLst>
           </p:cNvPr>
-          <p:cNvPicPr>
-            <a:picLocks noChangeAspect="1"/>
-          </p:cNvPicPr>
-          <p:nvPr/>
-        </p:nvPicPr>
-        <p:blipFill>
-          <a:blip r:embed="rId2"/>
-          <a:stretch>
-            <a:fillRect/>
-          </a:stretch>
-        </p:blipFill>
-        <p:spPr>
-          <a:xfrm>
-            <a:off x="1024128" y="5109712"/>
-            <a:ext cx="4020111" cy="1276528"/>
-          </a:xfrm>
-          <a:prstGeom prst="rect">
-            <a:avLst/>
-          </a:prstGeom>
-        </p:spPr>
-      </p:pic>
-      <p:pic>
-        <p:nvPicPr>
-          <p:cNvPr id="12" name="Рисунок 11">
-            <a:extLst>
-              <a:ext uri="{FF2B5EF4-FFF2-40B4-BE49-F238E27FC236}">
-                <a16:creationId xmlns:a16="http://schemas.microsoft.com/office/drawing/2014/main" id="{080CC6C0-CA62-4532-9F7F-56A9DA789969}"/>
-              </a:ext>
-            </a:extLst>
-          </p:cNvPr>
-          <p:cNvPicPr>
-            <a:picLocks noChangeAspect="1"/>
-          </p:cNvPicPr>
-          <p:nvPr/>
-        </p:nvPicPr>
-        <p:blipFill rotWithShape="1">
-          <a:blip r:embed="rId3"/>
-          <a:srcRect t="4265"/>
-          <a:stretch/>
-        </p:blipFill>
-        <p:spPr>
-          <a:xfrm>
-            <a:off x="6096000" y="2663301"/>
-            <a:ext cx="4115374" cy="346562"/>
-          </a:xfrm>
-          <a:prstGeom prst="rect">
-            <a:avLst/>
-          </a:prstGeom>
-        </p:spPr>
-      </p:pic>
-      <p:pic>
-        <p:nvPicPr>
-          <p:cNvPr id="14" name="Рисунок 13">
-            <a:extLst>
-              <a:ext uri="{FF2B5EF4-FFF2-40B4-BE49-F238E27FC236}">
-                <a16:creationId xmlns:a16="http://schemas.microsoft.com/office/drawing/2014/main" id="{7C8F9EDB-B29F-41B7-99D4-B98C11A7B421}"/>
-              </a:ext>
-            </a:extLst>
-          </p:cNvPr>
-          <p:cNvPicPr>
-            <a:picLocks noChangeAspect="1"/>
-          </p:cNvPicPr>
-          <p:nvPr/>
-        </p:nvPicPr>
-        <p:blipFill>
-          <a:blip r:embed="rId4"/>
-          <a:stretch>
-            <a:fillRect/>
-          </a:stretch>
-        </p:blipFill>
-        <p:spPr>
-          <a:xfrm>
-            <a:off x="6096000" y="3359829"/>
-            <a:ext cx="5706271" cy="2267266"/>
-          </a:xfrm>
-          <a:prstGeom prst="rect">
-            <a:avLst/>
-          </a:prstGeom>
-        </p:spPr>
-      </p:pic>
+          <p:cNvSpPr>
+            <a:spLocks noGrp="1"/>
+          </p:cNvSpPr>
+          <p:nvPr>
+            <p:ph sz="half" idx="2"/>
+          </p:nvPr>
+        </p:nvSpPr>
+        <p:spPr/>
+        <p:txBody>
+          <a:bodyPr/>
+          <a:lstStyle/>
+          <a:p>
+            <a:endParaRPr lang="ru-RU"/>
+          </a:p>
+        </p:txBody>
+      </p:sp>
     </p:spTree>
     <p:extLst>
       <p:ext uri="{BB962C8B-B14F-4D97-AF65-F5344CB8AC3E}">
-        <p14:creationId xmlns:p14="http://schemas.microsoft.com/office/powerpoint/2010/main" val="2436972203"/>
+        <p14:creationId xmlns:p14="http://schemas.microsoft.com/office/powerpoint/2010/main" val="3571756336"/>
       </p:ext>
     </p:extLst>
   </p:cSld>
@@ -6814,12 +6773,131 @@
           </a:p>
         </p:txBody>
       </p:sp>
+      <p:sp>
+        <p:nvSpPr>
+          <p:cNvPr id="4" name="Объект 3">
+            <a:extLst>
+              <a:ext uri="{FF2B5EF4-FFF2-40B4-BE49-F238E27FC236}">
+                <a16:creationId xmlns:a16="http://schemas.microsoft.com/office/drawing/2014/main" id="{076DEE4C-8BDA-4723-AC0A-4871ED029059}"/>
+              </a:ext>
+            </a:extLst>
+          </p:cNvPr>
+          <p:cNvSpPr>
+            <a:spLocks noGrp="1"/>
+          </p:cNvSpPr>
+          <p:nvPr>
+            <p:ph sz="half" idx="1"/>
+          </p:nvPr>
+        </p:nvSpPr>
+        <p:spPr/>
+        <p:txBody>
+          <a:bodyPr>
+            <a:normAutofit/>
+          </a:bodyPr>
+          <a:lstStyle/>
+          <a:p>
+            <a:r>
+              <a:rPr lang="ru-RU" sz="1800" dirty="0">
+                <a:latin typeface="Bookman Old Style" panose="02050604050505020204" pitchFamily="18" charset="0"/>
+              </a:rPr>
+              <a:t>Пункт 2</a:t>
+            </a:r>
+          </a:p>
+          <a:p>
+            <a:r>
+              <a:rPr lang="ru-RU" sz="1800" dirty="0">
+                <a:latin typeface="Bookman Old Style" panose="02050604050505020204" pitchFamily="18" charset="0"/>
+              </a:rPr>
+              <a:t>Разбить выбранные узлы на кластеры, используя метод полной связи (</a:t>
+            </a:r>
+            <a:r>
+              <a:rPr lang="ru-RU" sz="1800" dirty="0" err="1">
+                <a:latin typeface="Bookman Old Style" panose="02050604050505020204" pitchFamily="18" charset="0"/>
+              </a:rPr>
+              <a:t>сomplete-linkage</a:t>
+            </a:r>
+            <a:r>
+              <a:rPr lang="ru-RU" sz="1800" dirty="0">
+                <a:latin typeface="Bookman Old Style" panose="02050604050505020204" pitchFamily="18" charset="0"/>
+              </a:rPr>
+              <a:t> </a:t>
+            </a:r>
+            <a:r>
+              <a:rPr lang="ru-RU" sz="1800" dirty="0" err="1">
+                <a:latin typeface="Bookman Old Style" panose="02050604050505020204" pitchFamily="18" charset="0"/>
+              </a:rPr>
+              <a:t>clustering</a:t>
+            </a:r>
+            <a:r>
+              <a:rPr lang="ru-RU" sz="1800" dirty="0">
+                <a:latin typeface="Bookman Old Style" panose="02050604050505020204" pitchFamily="18" charset="0"/>
+              </a:rPr>
+              <a:t>). Построить </a:t>
+            </a:r>
+            <a:r>
+              <a:rPr lang="ru-RU" sz="1800" dirty="0" err="1">
+                <a:latin typeface="Bookman Old Style" panose="02050604050505020204" pitchFamily="18" charset="0"/>
+              </a:rPr>
+              <a:t>дендрограмму</a:t>
+            </a:r>
+            <a:r>
+              <a:rPr lang="ru-RU" sz="1800" dirty="0">
+                <a:latin typeface="Bookman Old Style" panose="02050604050505020204" pitchFamily="18" charset="0"/>
+              </a:rPr>
+              <a:t> разбиения узлов.</a:t>
+            </a:r>
+          </a:p>
+          <a:p>
+            <a:endParaRPr lang="ru-RU" sz="1800" dirty="0">
+              <a:latin typeface="Bookman Old Style" panose="02050604050505020204" pitchFamily="18" charset="0"/>
+            </a:endParaRPr>
+          </a:p>
+          <a:p>
+            <a:r>
+              <a:rPr lang="ru-RU" sz="1800" dirty="0">
+                <a:latin typeface="Bookman Old Style" panose="02050604050505020204" pitchFamily="18" charset="0"/>
+              </a:rPr>
+              <a:t>Зададим матрицу путей между выбранными узлами.</a:t>
+            </a:r>
+          </a:p>
+        </p:txBody>
+      </p:sp>
       <p:pic>
         <p:nvPicPr>
-          <p:cNvPr id="5" name="Рисунок 4">
+          <p:cNvPr id="11" name="Рисунок 10">
             <a:extLst>
               <a:ext uri="{FF2B5EF4-FFF2-40B4-BE49-F238E27FC236}">
-                <a16:creationId xmlns:a16="http://schemas.microsoft.com/office/drawing/2014/main" id="{5D6F7B82-70E0-4B5D-A7C4-000E4E0DB934}"/>
+                <a16:creationId xmlns:a16="http://schemas.microsoft.com/office/drawing/2014/main" id="{B418A15F-8595-4835-9F06-E30058D2DDC2}"/>
+              </a:ext>
+            </a:extLst>
+          </p:cNvPr>
+          <p:cNvPicPr>
+            <a:picLocks noChangeAspect="1"/>
+          </p:cNvPicPr>
+          <p:nvPr/>
+        </p:nvPicPr>
+        <p:blipFill>
+          <a:blip r:embed="rId2"/>
+          <a:stretch>
+            <a:fillRect/>
+          </a:stretch>
+        </p:blipFill>
+        <p:spPr>
+          <a:xfrm>
+            <a:off x="1024128" y="5109712"/>
+            <a:ext cx="4020111" cy="1276528"/>
+          </a:xfrm>
+          <a:prstGeom prst="rect">
+            <a:avLst/>
+          </a:prstGeom>
+        </p:spPr>
+      </p:pic>
+      <p:pic>
+        <p:nvPicPr>
+          <p:cNvPr id="12" name="Рисунок 11">
+            <a:extLst>
+              <a:ext uri="{FF2B5EF4-FFF2-40B4-BE49-F238E27FC236}">
+                <a16:creationId xmlns:a16="http://schemas.microsoft.com/office/drawing/2014/main" id="{080CC6C0-CA62-4532-9F7F-56A9DA789969}"/>
               </a:ext>
             </a:extLst>
           </p:cNvPr>
@@ -6829,76 +6907,54 @@
           <p:nvPr/>
         </p:nvPicPr>
         <p:blipFill rotWithShape="1">
-          <a:blip r:embed="rId2">
-            <a:extLst>
-              <a:ext uri="{28A0092B-C50C-407E-A947-70E740481C1C}">
-                <a14:useLocalDpi xmlns:a14="http://schemas.microsoft.com/office/drawing/2010/main" val="0"/>
-              </a:ext>
-            </a:extLst>
-          </a:blip>
-          <a:srcRect l="9538" t="10270" r="8544" b="8723"/>
+          <a:blip r:embed="rId3"/>
+          <a:srcRect t="4265"/>
           <a:stretch/>
         </p:blipFill>
         <p:spPr>
           <a:xfrm>
-            <a:off x="1024128" y="2084832"/>
-            <a:ext cx="9987379" cy="3950564"/>
+            <a:off x="6096000" y="2663301"/>
+            <a:ext cx="4115374" cy="346562"/>
           </a:xfrm>
           <a:prstGeom prst="rect">
             <a:avLst/>
           </a:prstGeom>
         </p:spPr>
       </p:pic>
-      <p:sp>
-        <p:nvSpPr>
-          <p:cNvPr id="6" name="TextBox 5">
+      <p:pic>
+        <p:nvPicPr>
+          <p:cNvPr id="14" name="Рисунок 13">
             <a:extLst>
               <a:ext uri="{FF2B5EF4-FFF2-40B4-BE49-F238E27FC236}">
-                <a16:creationId xmlns:a16="http://schemas.microsoft.com/office/drawing/2014/main" id="{CA138A3A-54CD-4EC5-9A35-982470C4EDCC}"/>
+                <a16:creationId xmlns:a16="http://schemas.microsoft.com/office/drawing/2014/main" id="{7C8F9EDB-B29F-41B7-99D4-B98C11A7B421}"/>
               </a:ext>
             </a:extLst>
           </p:cNvPr>
-          <p:cNvSpPr txBox="1"/>
+          <p:cNvPicPr>
+            <a:picLocks noChangeAspect="1"/>
+          </p:cNvPicPr>
           <p:nvPr/>
-        </p:nvSpPr>
+        </p:nvPicPr>
+        <p:blipFill>
+          <a:blip r:embed="rId4"/>
+          <a:stretch>
+            <a:fillRect/>
+          </a:stretch>
+        </p:blipFill>
         <p:spPr>
           <a:xfrm>
-            <a:off x="1278384" y="6152225"/>
-            <a:ext cx="5104661" cy="369332"/>
+            <a:off x="6096000" y="3359829"/>
+            <a:ext cx="5706271" cy="2267266"/>
           </a:xfrm>
           <a:prstGeom prst="rect">
             <a:avLst/>
           </a:prstGeom>
-          <a:noFill/>
-        </p:spPr>
-        <p:txBody>
-          <a:bodyPr wrap="square" rtlCol="0">
-            <a:spAutoFit/>
-          </a:bodyPr>
-          <a:lstStyle/>
-          <a:p>
-            <a:r>
-              <a:rPr lang="ru-RU" dirty="0">
-                <a:latin typeface="Bookman Old Style" panose="02050604050505020204" pitchFamily="18" charset="0"/>
-              </a:rPr>
-              <a:t>Полученная </a:t>
-            </a:r>
-            <a:r>
-              <a:rPr lang="ru-RU" dirty="0" err="1">
-                <a:latin typeface="Bookman Old Style" panose="02050604050505020204" pitchFamily="18" charset="0"/>
-              </a:rPr>
-              <a:t>дендрограмма</a:t>
-            </a:r>
-            <a:endParaRPr lang="ru-RU" dirty="0">
-              <a:latin typeface="Bookman Old Style" panose="02050604050505020204" pitchFamily="18" charset="0"/>
-            </a:endParaRPr>
-          </a:p>
-        </p:txBody>
-      </p:sp>
+        </p:spPr>
+      </p:pic>
     </p:spTree>
     <p:extLst>
       <p:ext uri="{BB962C8B-B14F-4D97-AF65-F5344CB8AC3E}">
-        <p14:creationId xmlns:p14="http://schemas.microsoft.com/office/powerpoint/2010/main" val="202277698"/>
+        <p14:creationId xmlns:p14="http://schemas.microsoft.com/office/powerpoint/2010/main" val="2436972203"/>
       </p:ext>
     </p:extLst>
   </p:cSld>
@@ -6958,6 +7014,163 @@
           </a:p>
         </p:txBody>
       </p:sp>
+      <p:pic>
+        <p:nvPicPr>
+          <p:cNvPr id="5" name="Рисунок 4">
+            <a:extLst>
+              <a:ext uri="{FF2B5EF4-FFF2-40B4-BE49-F238E27FC236}">
+                <a16:creationId xmlns:a16="http://schemas.microsoft.com/office/drawing/2014/main" id="{5D6F7B82-70E0-4B5D-A7C4-000E4E0DB934}"/>
+              </a:ext>
+            </a:extLst>
+          </p:cNvPr>
+          <p:cNvPicPr>
+            <a:picLocks noChangeAspect="1"/>
+          </p:cNvPicPr>
+          <p:nvPr/>
+        </p:nvPicPr>
+        <p:blipFill rotWithShape="1">
+          <a:blip r:embed="rId2">
+            <a:extLst>
+              <a:ext uri="{28A0092B-C50C-407E-A947-70E740481C1C}">
+                <a14:useLocalDpi xmlns:a14="http://schemas.microsoft.com/office/drawing/2010/main" val="0"/>
+              </a:ext>
+            </a:extLst>
+          </a:blip>
+          <a:srcRect l="9538" t="10270" r="8544" b="8723"/>
+          <a:stretch/>
+        </p:blipFill>
+        <p:spPr>
+          <a:xfrm>
+            <a:off x="890474" y="2636668"/>
+            <a:ext cx="10394955" cy="4111783"/>
+          </a:xfrm>
+          <a:prstGeom prst="rect">
+            <a:avLst/>
+          </a:prstGeom>
+        </p:spPr>
+      </p:pic>
+      <p:sp>
+        <p:nvSpPr>
+          <p:cNvPr id="7" name="Объект 3">
+            <a:extLst>
+              <a:ext uri="{FF2B5EF4-FFF2-40B4-BE49-F238E27FC236}">
+                <a16:creationId xmlns:a16="http://schemas.microsoft.com/office/drawing/2014/main" id="{1F5DEE77-B475-4538-BE84-49EBF75AFADF}"/>
+              </a:ext>
+            </a:extLst>
+          </p:cNvPr>
+          <p:cNvSpPr>
+            <a:spLocks noGrp="1"/>
+          </p:cNvSpPr>
+          <p:nvPr>
+            <p:ph sz="half" idx="1"/>
+          </p:nvPr>
+        </p:nvSpPr>
+        <p:spPr>
+          <a:xfrm>
+            <a:off x="1024128" y="2286000"/>
+            <a:ext cx="4754880" cy="4023360"/>
+          </a:xfrm>
+        </p:spPr>
+        <p:txBody>
+          <a:bodyPr>
+            <a:normAutofit/>
+          </a:bodyPr>
+          <a:lstStyle/>
+          <a:p>
+            <a:pPr>
+              <a:spcBef>
+                <a:spcPts val="0"/>
+              </a:spcBef>
+              <a:spcAft>
+                <a:spcPts val="0"/>
+              </a:spcAft>
+            </a:pPr>
+            <a:r>
+              <a:rPr lang="ru-RU" sz="1800" dirty="0">
+                <a:latin typeface="Bookman Old Style" panose="02050604050505020204" pitchFamily="18" charset="0"/>
+              </a:rPr>
+              <a:t>Пункт 2. Полученная </a:t>
+            </a:r>
+            <a:r>
+              <a:rPr lang="ru-RU" sz="1800" dirty="0" err="1">
+                <a:latin typeface="Bookman Old Style" panose="02050604050505020204" pitchFamily="18" charset="0"/>
+              </a:rPr>
+              <a:t>дендрограмма</a:t>
+            </a:r>
+            <a:endParaRPr lang="ru-RU" sz="1800" dirty="0">
+              <a:latin typeface="Bookman Old Style" panose="02050604050505020204" pitchFamily="18" charset="0"/>
+            </a:endParaRPr>
+          </a:p>
+          <a:p>
+            <a:endParaRPr lang="ru-RU" sz="1800" dirty="0">
+              <a:latin typeface="Bookman Old Style" panose="02050604050505020204" pitchFamily="18" charset="0"/>
+            </a:endParaRPr>
+          </a:p>
+        </p:txBody>
+      </p:sp>
+    </p:spTree>
+    <p:extLst>
+      <p:ext uri="{BB962C8B-B14F-4D97-AF65-F5344CB8AC3E}">
+        <p14:creationId xmlns:p14="http://schemas.microsoft.com/office/powerpoint/2010/main" val="202277698"/>
+      </p:ext>
+    </p:extLst>
+  </p:cSld>
+  <p:clrMapOvr>
+    <a:masterClrMapping/>
+  </p:clrMapOvr>
+</p:sld>
+</file>
+
+<file path=ppt/slides/slide25.xml><?xml version="1.0" encoding="utf-8"?>
+<p:sld xmlns:a="http://schemas.openxmlformats.org/drawingml/2006/main" xmlns:r="http://schemas.openxmlformats.org/officeDocument/2006/relationships" xmlns:p="http://schemas.openxmlformats.org/presentationml/2006/main">
+  <p:cSld>
+    <p:spTree>
+      <p:nvGrpSpPr>
+        <p:cNvPr id="1" name=""/>
+        <p:cNvGrpSpPr/>
+        <p:nvPr/>
+      </p:nvGrpSpPr>
+      <p:grpSpPr>
+        <a:xfrm>
+          <a:off x="0" y="0"/>
+          <a:ext cx="0" cy="0"/>
+          <a:chOff x="0" y="0"/>
+          <a:chExt cx="0" cy="0"/>
+        </a:xfrm>
+      </p:grpSpPr>
+      <p:sp>
+        <p:nvSpPr>
+          <p:cNvPr id="2" name="Заголовок 1">
+            <a:extLst>
+              <a:ext uri="{FF2B5EF4-FFF2-40B4-BE49-F238E27FC236}">
+                <a16:creationId xmlns:a16="http://schemas.microsoft.com/office/drawing/2014/main" id="{503D5F2C-431C-4D0B-AA9D-F9053A660971}"/>
+              </a:ext>
+            </a:extLst>
+          </p:cNvPr>
+          <p:cNvSpPr>
+            <a:spLocks noGrp="1"/>
+          </p:cNvSpPr>
+          <p:nvPr>
+            <p:ph type="title"/>
+          </p:nvPr>
+        </p:nvSpPr>
+        <p:spPr/>
+        <p:txBody>
+          <a:bodyPr>
+            <a:normAutofit/>
+          </a:bodyPr>
+          <a:lstStyle/>
+          <a:p>
+            <a:r>
+              <a:rPr lang="ru-RU" sz="4000" dirty="0">
+                <a:latin typeface="Bookman Old Style" panose="02050604050505020204" pitchFamily="18" charset="0"/>
+              </a:rPr>
+              <a:t>Задание 2</a:t>
+            </a:r>
+            <a:endParaRPr lang="ru-RU" sz="4000" dirty="0"/>
+          </a:p>
+        </p:txBody>
+      </p:sp>
       <p:sp>
         <p:nvSpPr>
           <p:cNvPr id="4" name="Объект 3">
@@ -7100,7 +7313,7 @@
 </p:sld>
 </file>
 
-<file path=ppt/slides/slide25.xml><?xml version="1.0" encoding="utf-8"?>
+<file path=ppt/slides/slide26.xml><?xml version="1.0" encoding="utf-8"?>
 <p:sld xmlns:a="http://schemas.openxmlformats.org/drawingml/2006/main" xmlns:r="http://schemas.openxmlformats.org/officeDocument/2006/relationships" xmlns:p="http://schemas.openxmlformats.org/presentationml/2006/main">
   <p:cSld>
     <p:spTree>
@@ -7400,8 +7613,8 @@
           </a:p>
         </p:txBody>
       </p:sp>
-      <mc:AlternateContent xmlns:mc="http://schemas.openxmlformats.org/markup-compatibility/2006">
-        <mc:Choice xmlns:a14="http://schemas.microsoft.com/office/drawing/2010/main" Requires="a14">
+      <mc:AlternateContent xmlns:mc="http://schemas.openxmlformats.org/markup-compatibility/2006" xmlns:a14="http://schemas.microsoft.com/office/drawing/2010/main">
+        <mc:Choice Requires="a14">
           <p:sp>
             <p:nvSpPr>
               <p:cNvPr id="3" name="Объект 2">
@@ -7593,7 +7806,7 @@
             </p:txBody>
           </p:sp>
         </mc:Choice>
-        <mc:Fallback>
+        <mc:Fallback xmlns="">
           <p:sp>
             <p:nvSpPr>
               <p:cNvPr id="3" name="Объект 2">

--- a/docs/OSM Ufa Presentation.pptx
+++ b/docs/OSM Ufa Presentation.pptx
@@ -29,7 +29,7 @@
     <p:sldId id="281" r:id="rId20"/>
     <p:sldId id="273" r:id="rId21"/>
     <p:sldId id="274" r:id="rId22"/>
-    <p:sldId id="277" r:id="rId23"/>
+    <p:sldId id="284" r:id="rId23"/>
     <p:sldId id="278" r:id="rId24"/>
     <p:sldId id="276" r:id="rId25"/>
     <p:sldId id="279" r:id="rId26"/>
@@ -222,7 +222,7 @@
           <a:p>
             <a:fld id="{09B0C3F5-F114-4B22-B932-CBB1911F470C}" type="datetimeFigureOut">
               <a:rPr lang="ru-RU" smtClean="0"/>
-              <a:t>04.06.2020</a:t>
+              <a:t>05.06.2020</a:t>
             </a:fld>
             <a:endParaRPr lang="ru-RU"/>
           </a:p>
@@ -763,7 +763,7 @@
           <a:p>
             <a:fld id="{08497EEF-8717-426E-A73B-19054A570D60}" type="datetimeFigureOut">
               <a:rPr lang="ru-RU" smtClean="0"/>
-              <a:t>04.06.2020</a:t>
+              <a:t>05.06.2020</a:t>
             </a:fld>
             <a:endParaRPr lang="ru-RU"/>
           </a:p>
@@ -968,7 +968,7 @@
           <a:p>
             <a:fld id="{08497EEF-8717-426E-A73B-19054A570D60}" type="datetimeFigureOut">
               <a:rPr lang="ru-RU" smtClean="0"/>
-              <a:t>04.06.2020</a:t>
+              <a:t>05.06.2020</a:t>
             </a:fld>
             <a:endParaRPr lang="ru-RU"/>
           </a:p>
@@ -1148,7 +1148,7 @@
           <a:p>
             <a:fld id="{08497EEF-8717-426E-A73B-19054A570D60}" type="datetimeFigureOut">
               <a:rPr lang="ru-RU" smtClean="0"/>
-              <a:t>04.06.2020</a:t>
+              <a:t>05.06.2020</a:t>
             </a:fld>
             <a:endParaRPr lang="ru-RU"/>
           </a:p>
@@ -1353,7 +1353,7 @@
           <a:p>
             <a:fld id="{08497EEF-8717-426E-A73B-19054A570D60}" type="datetimeFigureOut">
               <a:rPr lang="ru-RU" smtClean="0"/>
-              <a:t>04.06.2020</a:t>
+              <a:t>05.06.2020</a:t>
             </a:fld>
             <a:endParaRPr lang="ru-RU"/>
           </a:p>
@@ -1648,7 +1648,7 @@
           <a:p>
             <a:fld id="{08497EEF-8717-426E-A73B-19054A570D60}" type="datetimeFigureOut">
               <a:rPr lang="ru-RU" smtClean="0"/>
-              <a:t>04.06.2020</a:t>
+              <a:t>05.06.2020</a:t>
             </a:fld>
             <a:endParaRPr lang="ru-RU"/>
           </a:p>
@@ -1920,7 +1920,7 @@
           <a:p>
             <a:fld id="{08497EEF-8717-426E-A73B-19054A570D60}" type="datetimeFigureOut">
               <a:rPr lang="ru-RU" smtClean="0"/>
-              <a:t>04.06.2020</a:t>
+              <a:t>05.06.2020</a:t>
             </a:fld>
             <a:endParaRPr lang="ru-RU"/>
           </a:p>
@@ -2327,7 +2327,7 @@
           <a:p>
             <a:fld id="{08497EEF-8717-426E-A73B-19054A570D60}" type="datetimeFigureOut">
               <a:rPr lang="ru-RU" smtClean="0"/>
-              <a:t>04.06.2020</a:t>
+              <a:t>05.06.2020</a:t>
             </a:fld>
             <a:endParaRPr lang="ru-RU"/>
           </a:p>
@@ -2445,7 +2445,7 @@
           <a:p>
             <a:fld id="{08497EEF-8717-426E-A73B-19054A570D60}" type="datetimeFigureOut">
               <a:rPr lang="ru-RU" smtClean="0"/>
-              <a:t>04.06.2020</a:t>
+              <a:t>05.06.2020</a:t>
             </a:fld>
             <a:endParaRPr lang="ru-RU"/>
           </a:p>
@@ -2540,7 +2540,7 @@
           <a:p>
             <a:fld id="{08497EEF-8717-426E-A73B-19054A570D60}" type="datetimeFigureOut">
               <a:rPr lang="ru-RU" smtClean="0"/>
-              <a:t>04.06.2020</a:t>
+              <a:t>05.06.2020</a:t>
             </a:fld>
             <a:endParaRPr lang="ru-RU"/>
           </a:p>
@@ -2830,7 +2830,7 @@
           <a:p>
             <a:fld id="{08497EEF-8717-426E-A73B-19054A570D60}" type="datetimeFigureOut">
               <a:rPr lang="ru-RU" smtClean="0"/>
-              <a:t>04.06.2020</a:t>
+              <a:t>05.06.2020</a:t>
             </a:fld>
             <a:endParaRPr lang="ru-RU"/>
           </a:p>
@@ -3110,7 +3110,7 @@
           <a:p>
             <a:fld id="{08497EEF-8717-426E-A73B-19054A570D60}" type="datetimeFigureOut">
               <a:rPr lang="ru-RU" smtClean="0"/>
-              <a:t>04.06.2020</a:t>
+              <a:t>05.06.2020</a:t>
             </a:fld>
             <a:endParaRPr lang="ru-RU"/>
           </a:p>
@@ -3360,7 +3360,7 @@
           <a:p>
             <a:fld id="{08497EEF-8717-426E-A73B-19054A570D60}" type="datetimeFigureOut">
               <a:rPr lang="ru-RU" smtClean="0"/>
-              <a:t>04.06.2020</a:t>
+              <a:t>05.06.2020</a:t>
             </a:fld>
             <a:endParaRPr lang="ru-RU"/>
           </a:p>
@@ -5871,10 +5871,10 @@
       </p:sp>
       <p:pic>
         <p:nvPicPr>
-          <p:cNvPr id="5" name="Рисунок 4">
+          <p:cNvPr id="4" name="Рисунок 3">
             <a:extLst>
               <a:ext uri="{FF2B5EF4-FFF2-40B4-BE49-F238E27FC236}">
-                <a16:creationId xmlns:a16="http://schemas.microsoft.com/office/drawing/2014/main" id="{50FC5E12-2650-44C8-91BF-D10FA092F0F4}"/>
+                <a16:creationId xmlns:a16="http://schemas.microsoft.com/office/drawing/2014/main" id="{45AFB6DB-1CAB-4245-BE70-BDA288D14C5C}"/>
               </a:ext>
             </a:extLst>
           </p:cNvPr>
@@ -5891,8 +5891,8 @@
         </p:blipFill>
         <p:spPr>
           <a:xfrm>
-            <a:off x="5989320" y="2128394"/>
-            <a:ext cx="5801535" cy="1695687"/>
+            <a:off x="1024128" y="4382551"/>
+            <a:ext cx="5153744" cy="2152950"/>
           </a:xfrm>
           <a:prstGeom prst="rect">
             <a:avLst/>
@@ -5901,10 +5901,10 @@
       </p:pic>
       <p:pic>
         <p:nvPicPr>
-          <p:cNvPr id="6" name="Рисунок 5">
+          <p:cNvPr id="8" name="Рисунок 7">
             <a:extLst>
               <a:ext uri="{FF2B5EF4-FFF2-40B4-BE49-F238E27FC236}">
-                <a16:creationId xmlns:a16="http://schemas.microsoft.com/office/drawing/2014/main" id="{4CD718EB-0221-48E5-8D3F-56F27F562404}"/>
+                <a16:creationId xmlns:a16="http://schemas.microsoft.com/office/drawing/2014/main" id="{C01BF86D-A07D-411E-A0AF-26A0F09695FD}"/>
               </a:ext>
             </a:extLst>
           </p:cNvPr>
@@ -5921,8 +5921,8 @@
         </p:blipFill>
         <p:spPr>
           <a:xfrm>
-            <a:off x="5989320" y="3994989"/>
-            <a:ext cx="2572109" cy="390580"/>
+            <a:off x="7555111" y="224701"/>
+            <a:ext cx="2905530" cy="4210638"/>
           </a:xfrm>
           <a:prstGeom prst="rect">
             <a:avLst/>
@@ -5931,10 +5931,10 @@
       </p:pic>
       <p:pic>
         <p:nvPicPr>
-          <p:cNvPr id="7" name="Рисунок 6">
+          <p:cNvPr id="9" name="Рисунок 8">
             <a:extLst>
               <a:ext uri="{FF2B5EF4-FFF2-40B4-BE49-F238E27FC236}">
-                <a16:creationId xmlns:a16="http://schemas.microsoft.com/office/drawing/2014/main" id="{1BF35188-380C-4FE6-B989-177E51302FDB}"/>
+                <a16:creationId xmlns:a16="http://schemas.microsoft.com/office/drawing/2014/main" id="{E2D4F8F9-AA6F-46C4-BE33-4323A341A831}"/>
               </a:ext>
             </a:extLst>
           </p:cNvPr>
@@ -5951,8 +5951,8 @@
         </p:blipFill>
         <p:spPr>
           <a:xfrm>
-            <a:off x="6028147" y="4556477"/>
-            <a:ext cx="1535628" cy="393121"/>
+            <a:off x="6347298" y="4525445"/>
+            <a:ext cx="5096586" cy="2010056"/>
           </a:xfrm>
           <a:prstGeom prst="rect">
             <a:avLst/>
@@ -6557,31 +6557,96 @@
           </a:p>
         </p:txBody>
       </p:sp>
-      <p:sp>
-        <p:nvSpPr>
-          <p:cNvPr id="5" name="Объект 4">
+      <p:pic>
+        <p:nvPicPr>
+          <p:cNvPr id="3" name="Рисунок 2">
             <a:extLst>
               <a:ext uri="{FF2B5EF4-FFF2-40B4-BE49-F238E27FC236}">
-                <a16:creationId xmlns:a16="http://schemas.microsoft.com/office/drawing/2014/main" id="{B9C394C0-43DF-476D-B261-F28E07FC6A16}"/>
+                <a16:creationId xmlns:a16="http://schemas.microsoft.com/office/drawing/2014/main" id="{853B6EB2-32A8-47CB-B9E9-4B64744CE4EF}"/>
               </a:ext>
             </a:extLst>
           </p:cNvPr>
-          <p:cNvSpPr>
-            <a:spLocks noGrp="1"/>
-          </p:cNvSpPr>
-          <p:nvPr>
-            <p:ph sz="half" idx="2"/>
-          </p:nvPr>
-        </p:nvSpPr>
-        <p:spPr/>
-        <p:txBody>
-          <a:bodyPr/>
-          <a:lstStyle/>
-          <a:p>
-            <a:endParaRPr lang="ru-RU"/>
-          </a:p>
-        </p:txBody>
-      </p:sp>
+          <p:cNvPicPr>
+            <a:picLocks noChangeAspect="1"/>
+          </p:cNvPicPr>
+          <p:nvPr/>
+        </p:nvPicPr>
+        <p:blipFill>
+          <a:blip r:embed="rId2"/>
+          <a:stretch>
+            <a:fillRect/>
+          </a:stretch>
+        </p:blipFill>
+        <p:spPr>
+          <a:xfrm>
+            <a:off x="1137668" y="4255511"/>
+            <a:ext cx="3524742" cy="438211"/>
+          </a:xfrm>
+          <a:prstGeom prst="rect">
+            <a:avLst/>
+          </a:prstGeom>
+        </p:spPr>
+      </p:pic>
+      <p:pic>
+        <p:nvPicPr>
+          <p:cNvPr id="6" name="Рисунок 5">
+            <a:extLst>
+              <a:ext uri="{FF2B5EF4-FFF2-40B4-BE49-F238E27FC236}">
+                <a16:creationId xmlns:a16="http://schemas.microsoft.com/office/drawing/2014/main" id="{DDE8318F-C55A-4877-B878-6B99C3975B88}"/>
+              </a:ext>
+            </a:extLst>
+          </p:cNvPr>
+          <p:cNvPicPr>
+            <a:picLocks noChangeAspect="1"/>
+          </p:cNvPicPr>
+          <p:nvPr/>
+        </p:nvPicPr>
+        <p:blipFill>
+          <a:blip r:embed="rId3"/>
+          <a:stretch>
+            <a:fillRect/>
+          </a:stretch>
+        </p:blipFill>
+        <p:spPr>
+          <a:xfrm>
+            <a:off x="6194994" y="1139630"/>
+            <a:ext cx="5306165" cy="3105583"/>
+          </a:xfrm>
+          <a:prstGeom prst="rect">
+            <a:avLst/>
+          </a:prstGeom>
+        </p:spPr>
+      </p:pic>
+      <p:pic>
+        <p:nvPicPr>
+          <p:cNvPr id="7" name="Рисунок 6">
+            <a:extLst>
+              <a:ext uri="{FF2B5EF4-FFF2-40B4-BE49-F238E27FC236}">
+                <a16:creationId xmlns:a16="http://schemas.microsoft.com/office/drawing/2014/main" id="{D31DC67B-D8AB-49B7-9948-7DA976A33116}"/>
+              </a:ext>
+            </a:extLst>
+          </p:cNvPr>
+          <p:cNvPicPr>
+            <a:picLocks noChangeAspect="1"/>
+          </p:cNvPicPr>
+          <p:nvPr/>
+        </p:nvPicPr>
+        <p:blipFill>
+          <a:blip r:embed="rId4"/>
+          <a:stretch>
+            <a:fillRect/>
+          </a:stretch>
+        </p:blipFill>
+        <p:spPr>
+          <a:xfrm>
+            <a:off x="6194994" y="4308777"/>
+            <a:ext cx="5420481" cy="2114845"/>
+          </a:xfrm>
+          <a:prstGeom prst="rect">
+            <a:avLst/>
+          </a:prstGeom>
+        </p:spPr>
+      </p:pic>
     </p:spTree>
     <p:extLst>
       <p:ext uri="{BB962C8B-B14F-4D97-AF65-F5344CB8AC3E}">
@@ -6672,48 +6737,45 @@
               <a:rPr lang="ru-RU" sz="1800" dirty="0">
                 <a:latin typeface="Bookman Old Style" panose="02050604050505020204" pitchFamily="18" charset="0"/>
               </a:rPr>
-              <a:t>Пункт 1</a:t>
-            </a:r>
-          </a:p>
-          <a:p>
-            <a:r>
-              <a:rPr lang="ru-RU" sz="1800" dirty="0">
-                <a:latin typeface="Bookman Old Style" panose="02050604050505020204" pitchFamily="18" charset="0"/>
-              </a:rPr>
-              <a:t>Построить дерево кратчайших путей от объекта до выбранных узлов. Вычислить общую длину дерева, а также сумму кратчайших расстояний от объекта до всех заданных узлов.</a:t>
-            </a:r>
-          </a:p>
-        </p:txBody>
-      </p:sp>
-      <p:sp>
-        <p:nvSpPr>
-          <p:cNvPr id="5" name="Объект 4">
+              <a:t>Пункт 1. Результаты.</a:t>
+            </a:r>
+          </a:p>
+        </p:txBody>
+      </p:sp>
+      <p:pic>
+        <p:nvPicPr>
+          <p:cNvPr id="5" name="Рисунок 4">
             <a:extLst>
               <a:ext uri="{FF2B5EF4-FFF2-40B4-BE49-F238E27FC236}">
-                <a16:creationId xmlns:a16="http://schemas.microsoft.com/office/drawing/2014/main" id="{B9C394C0-43DF-476D-B261-F28E07FC6A16}"/>
+                <a16:creationId xmlns:a16="http://schemas.microsoft.com/office/drawing/2014/main" id="{20A76A39-1F61-4C2E-ADB3-56DEEF7D242C}"/>
               </a:ext>
             </a:extLst>
           </p:cNvPr>
-          <p:cNvSpPr>
-            <a:spLocks noGrp="1"/>
-          </p:cNvSpPr>
-          <p:nvPr>
-            <p:ph sz="half" idx="2"/>
-          </p:nvPr>
-        </p:nvSpPr>
-        <p:spPr/>
-        <p:txBody>
-          <a:bodyPr/>
-          <a:lstStyle/>
-          <a:p>
-            <a:endParaRPr lang="ru-RU"/>
-          </a:p>
-        </p:txBody>
-      </p:sp>
+          <p:cNvPicPr>
+            <a:picLocks noChangeAspect="1"/>
+          </p:cNvPicPr>
+          <p:nvPr/>
+        </p:nvPicPr>
+        <p:blipFill>
+          <a:blip r:embed="rId2"/>
+          <a:stretch>
+            <a:fillRect/>
+          </a:stretch>
+        </p:blipFill>
+        <p:spPr>
+          <a:xfrm>
+            <a:off x="1157274" y="2916362"/>
+            <a:ext cx="1514686" cy="1381318"/>
+          </a:xfrm>
+          <a:prstGeom prst="rect">
+            <a:avLst/>
+          </a:prstGeom>
+        </p:spPr>
+      </p:pic>
     </p:spTree>
     <p:extLst>
       <p:ext uri="{BB962C8B-B14F-4D97-AF65-F5344CB8AC3E}">
-        <p14:creationId xmlns:p14="http://schemas.microsoft.com/office/powerpoint/2010/main" val="3571756336"/>
+        <p14:creationId xmlns:p14="http://schemas.microsoft.com/office/powerpoint/2010/main" val="835290359"/>
       </p:ext>
     </p:extLst>
   </p:cSld>
